--- a/DD/DD presentation.pptx
+++ b/DD/DD presentation.pptx
@@ -9,7 +9,11 @@
     <p:sldId id="257" r:id="rId3"/>
     <p:sldId id="258" r:id="rId4"/>
     <p:sldId id="259" r:id="rId5"/>
-    <p:sldId id="260" r:id="rId6"/>
+    <p:sldId id="261" r:id="rId6"/>
+    <p:sldId id="260" r:id="rId7"/>
+    <p:sldId id="262" r:id="rId8"/>
+    <p:sldId id="263" r:id="rId9"/>
+    <p:sldId id="264" r:id="rId10"/>
   </p:sldIdLst>
   <p:sldSz cx="12192000" cy="6858000"/>
   <p:notesSz cx="6858000" cy="9144000"/>
@@ -108,6 +112,11 @@
       </a:defRPr>
     </a:lvl9pPr>
   </p:defaultTextStyle>
+  <p:extLst>
+    <p:ext uri="{EFAFB233-063F-42B5-8137-9DF3F51BA10A}">
+      <p15:sldGuideLst xmlns:p15="http://schemas.microsoft.com/office/powerpoint/2012/main"/>
+    </p:ext>
+  </p:extLst>
 </p:presentation>
 </file>
 
@@ -5977,17 +5986,22 @@
             <p:ph idx="1"/>
           </p:nvPr>
         </p:nvPicPr>
-        <p:blipFill>
+        <p:blipFill rotWithShape="1">
           <a:blip r:embed="rId2"/>
-          <a:stretch>
-            <a:fillRect/>
-          </a:stretch>
+          <a:srcRect t="3553" r="1430"/>
+          <a:stretch/>
         </p:blipFill>
         <p:spPr>
           <a:xfrm>
-            <a:off x="117674" y="346229"/>
-            <a:ext cx="9517545" cy="5246704"/>
+            <a:off x="117674" y="479395"/>
+            <a:ext cx="9381433" cy="5060272"/>
           </a:xfrm>
+          <a:prstGeom prst="round2SameRect">
+            <a:avLst>
+              <a:gd name="adj1" fmla="val 22983"/>
+              <a:gd name="adj2" fmla="val 29649"/>
+            </a:avLst>
+          </a:prstGeom>
         </p:spPr>
       </p:pic>
       <p:sp>
@@ -6156,6 +6170,65 @@
           <p:cNvPr id="5" name="Segnaposto contenuto 4">
             <a:extLst>
               <a:ext uri="{FF2B5EF4-FFF2-40B4-BE49-F238E27FC236}">
+                <a16:creationId xmlns:a16="http://schemas.microsoft.com/office/drawing/2014/main" id="{60324F88-5B24-4AF6-85E1-343F4CF7B5F7}"/>
+              </a:ext>
+            </a:extLst>
+          </p:cNvPr>
+          <p:cNvPicPr>
+            <a:picLocks noGrp="1" noChangeAspect="1"/>
+          </p:cNvPicPr>
+          <p:nvPr>
+            <p:ph idx="1"/>
+          </p:nvPr>
+        </p:nvPicPr>
+        <p:blipFill>
+          <a:blip r:embed="rId2"/>
+          <a:stretch>
+            <a:fillRect/>
+          </a:stretch>
+        </p:blipFill>
+        <p:spPr>
+          <a:xfrm>
+            <a:off x="937103" y="390525"/>
+            <a:ext cx="8261532" cy="5895975"/>
+          </a:xfrm>
+        </p:spPr>
+      </p:pic>
+    </p:spTree>
+    <p:extLst>
+      <p:ext uri="{BB962C8B-B14F-4D97-AF65-F5344CB8AC3E}">
+        <p14:creationId xmlns:p14="http://schemas.microsoft.com/office/powerpoint/2010/main" val="100274030"/>
+      </p:ext>
+    </p:extLst>
+  </p:cSld>
+  <p:clrMapOvr>
+    <a:masterClrMapping/>
+  </p:clrMapOvr>
+</p:sld>
+</file>
+
+<file path=ppt/slides/slide6.xml><?xml version="1.0" encoding="utf-8"?>
+<p:sld xmlns:a="http://schemas.openxmlformats.org/drawingml/2006/main" xmlns:r="http://schemas.openxmlformats.org/officeDocument/2006/relationships" xmlns:p="http://schemas.openxmlformats.org/presentationml/2006/main">
+  <p:cSld>
+    <p:spTree>
+      <p:nvGrpSpPr>
+        <p:cNvPr id="1" name=""/>
+        <p:cNvGrpSpPr/>
+        <p:nvPr/>
+      </p:nvGrpSpPr>
+      <p:grpSpPr>
+        <a:xfrm>
+          <a:off x="0" y="0"/>
+          <a:ext cx="0" cy="0"/>
+          <a:chOff x="0" y="0"/>
+          <a:chExt cx="0" cy="0"/>
+        </a:xfrm>
+      </p:grpSpPr>
+      <p:pic>
+        <p:nvPicPr>
+          <p:cNvPr id="5" name="Segnaposto contenuto 4">
+            <a:extLst>
+              <a:ext uri="{FF2B5EF4-FFF2-40B4-BE49-F238E27FC236}">
                 <a16:creationId xmlns:a16="http://schemas.microsoft.com/office/drawing/2014/main" id="{390AE28E-AF02-4B2C-9E2D-060CCCBBAB16}"/>
               </a:ext>
             </a:extLst>
@@ -6213,6 +6286,226 @@
     <p:extLst>
       <p:ext uri="{BB962C8B-B14F-4D97-AF65-F5344CB8AC3E}">
         <p14:creationId xmlns:p14="http://schemas.microsoft.com/office/powerpoint/2010/main" val="2696452115"/>
+      </p:ext>
+    </p:extLst>
+  </p:cSld>
+  <p:clrMapOvr>
+    <a:masterClrMapping/>
+  </p:clrMapOvr>
+</p:sld>
+</file>
+
+<file path=ppt/slides/slide7.xml><?xml version="1.0" encoding="utf-8"?>
+<p:sld xmlns:a="http://schemas.openxmlformats.org/drawingml/2006/main" xmlns:r="http://schemas.openxmlformats.org/officeDocument/2006/relationships" xmlns:p="http://schemas.openxmlformats.org/presentationml/2006/main">
+  <p:cSld>
+    <p:spTree>
+      <p:nvGrpSpPr>
+        <p:cNvPr id="1" name=""/>
+        <p:cNvGrpSpPr/>
+        <p:nvPr/>
+      </p:nvGrpSpPr>
+      <p:grpSpPr>
+        <a:xfrm>
+          <a:off x="0" y="0"/>
+          <a:ext cx="0" cy="0"/>
+          <a:chOff x="0" y="0"/>
+          <a:chExt cx="0" cy="0"/>
+        </a:xfrm>
+      </p:grpSpPr>
+      <p:pic>
+        <p:nvPicPr>
+          <p:cNvPr id="5" name="Immagine 4">
+            <a:extLst>
+              <a:ext uri="{FF2B5EF4-FFF2-40B4-BE49-F238E27FC236}">
+                <a16:creationId xmlns:a16="http://schemas.microsoft.com/office/drawing/2014/main" id="{588669E5-2672-406D-9F7A-08EF8BD3DCD6}"/>
+              </a:ext>
+            </a:extLst>
+          </p:cNvPr>
+          <p:cNvPicPr>
+            <a:picLocks noChangeAspect="1"/>
+          </p:cNvPicPr>
+          <p:nvPr/>
+        </p:nvPicPr>
+        <p:blipFill rotWithShape="1">
+          <a:blip r:embed="rId2"/>
+          <a:srcRect b="59805"/>
+          <a:stretch/>
+        </p:blipFill>
+        <p:spPr>
+          <a:xfrm>
+            <a:off x="518216" y="914400"/>
+            <a:ext cx="8131311" cy="5850384"/>
+          </a:xfrm>
+          <a:prstGeom prst="rect">
+            <a:avLst/>
+          </a:prstGeom>
+        </p:spPr>
+      </p:pic>
+      <p:sp>
+        <p:nvSpPr>
+          <p:cNvPr id="6" name="Titolo 1">
+            <a:extLst>
+              <a:ext uri="{FF2B5EF4-FFF2-40B4-BE49-F238E27FC236}">
+                <a16:creationId xmlns:a16="http://schemas.microsoft.com/office/drawing/2014/main" id="{79CA7CBD-1CAA-4AA9-A20F-CF8304B724D4}"/>
+              </a:ext>
+            </a:extLst>
+          </p:cNvPr>
+          <p:cNvSpPr>
+            <a:spLocks noGrp="1"/>
+          </p:cNvSpPr>
+          <p:nvPr>
+            <p:ph type="title"/>
+          </p:nvPr>
+        </p:nvSpPr>
+        <p:spPr>
+          <a:xfrm>
+            <a:off x="-1" y="157704"/>
+            <a:ext cx="9161755" cy="1165069"/>
+          </a:xfrm>
+        </p:spPr>
+        <p:txBody>
+          <a:bodyPr/>
+          <a:lstStyle/>
+          <a:p>
+            <a:r>
+              <a:rPr lang="it-IT" dirty="0" err="1"/>
+              <a:t>Implementation</a:t>
+            </a:r>
+            <a:r>
+              <a:rPr lang="it-IT" dirty="0"/>
+              <a:t>, </a:t>
+            </a:r>
+            <a:r>
+              <a:rPr lang="it-IT" dirty="0" err="1"/>
+              <a:t>integration</a:t>
+            </a:r>
+            <a:r>
+              <a:rPr lang="it-IT" dirty="0"/>
+              <a:t> and test plan</a:t>
+            </a:r>
+          </a:p>
+        </p:txBody>
+      </p:sp>
+    </p:spTree>
+    <p:extLst>
+      <p:ext uri="{BB962C8B-B14F-4D97-AF65-F5344CB8AC3E}">
+        <p14:creationId xmlns:p14="http://schemas.microsoft.com/office/powerpoint/2010/main" val="1773101540"/>
+      </p:ext>
+    </p:extLst>
+  </p:cSld>
+  <p:clrMapOvr>
+    <a:masterClrMapping/>
+  </p:clrMapOvr>
+</p:sld>
+</file>
+
+<file path=ppt/slides/slide8.xml><?xml version="1.0" encoding="utf-8"?>
+<p:sld xmlns:a="http://schemas.openxmlformats.org/drawingml/2006/main" xmlns:r="http://schemas.openxmlformats.org/officeDocument/2006/relationships" xmlns:p="http://schemas.openxmlformats.org/presentationml/2006/main">
+  <p:cSld>
+    <p:spTree>
+      <p:nvGrpSpPr>
+        <p:cNvPr id="1" name=""/>
+        <p:cNvGrpSpPr/>
+        <p:nvPr/>
+      </p:nvGrpSpPr>
+      <p:grpSpPr>
+        <a:xfrm>
+          <a:off x="0" y="0"/>
+          <a:ext cx="0" cy="0"/>
+          <a:chOff x="0" y="0"/>
+          <a:chExt cx="0" cy="0"/>
+        </a:xfrm>
+      </p:grpSpPr>
+      <p:pic>
+        <p:nvPicPr>
+          <p:cNvPr id="5" name="Segnaposto contenuto 4">
+            <a:extLst>
+              <a:ext uri="{FF2B5EF4-FFF2-40B4-BE49-F238E27FC236}">
+                <a16:creationId xmlns:a16="http://schemas.microsoft.com/office/drawing/2014/main" id="{57DC71EA-FFE1-4863-9C64-D7ADEFB95316}"/>
+              </a:ext>
+            </a:extLst>
+          </p:cNvPr>
+          <p:cNvPicPr>
+            <a:picLocks noGrp="1" noChangeAspect="1"/>
+          </p:cNvPicPr>
+          <p:nvPr>
+            <p:ph idx="1"/>
+          </p:nvPr>
+        </p:nvPicPr>
+        <p:blipFill rotWithShape="1">
+          <a:blip r:embed="rId2"/>
+          <a:srcRect t="47488"/>
+          <a:stretch/>
+        </p:blipFill>
+        <p:spPr>
+          <a:xfrm>
+            <a:off x="1402035" y="0"/>
+            <a:ext cx="7278823" cy="6841667"/>
+          </a:xfrm>
+        </p:spPr>
+      </p:pic>
+    </p:spTree>
+    <p:extLst>
+      <p:ext uri="{BB962C8B-B14F-4D97-AF65-F5344CB8AC3E}">
+        <p14:creationId xmlns:p14="http://schemas.microsoft.com/office/powerpoint/2010/main" val="3448832654"/>
+      </p:ext>
+    </p:extLst>
+  </p:cSld>
+  <p:clrMapOvr>
+    <a:masterClrMapping/>
+  </p:clrMapOvr>
+</p:sld>
+</file>
+
+<file path=ppt/slides/slide9.xml><?xml version="1.0" encoding="utf-8"?>
+<p:sld xmlns:a="http://schemas.openxmlformats.org/drawingml/2006/main" xmlns:r="http://schemas.openxmlformats.org/officeDocument/2006/relationships" xmlns:p="http://schemas.openxmlformats.org/presentationml/2006/main">
+  <p:cSld>
+    <p:spTree>
+      <p:nvGrpSpPr>
+        <p:cNvPr id="1" name=""/>
+        <p:cNvGrpSpPr/>
+        <p:nvPr/>
+      </p:nvGrpSpPr>
+      <p:grpSpPr>
+        <a:xfrm>
+          <a:off x="0" y="0"/>
+          <a:ext cx="0" cy="0"/>
+          <a:chOff x="0" y="0"/>
+          <a:chExt cx="0" cy="0"/>
+        </a:xfrm>
+      </p:grpSpPr>
+      <p:pic>
+        <p:nvPicPr>
+          <p:cNvPr id="5" name="Segnaposto contenuto 4">
+            <a:extLst>
+              <a:ext uri="{FF2B5EF4-FFF2-40B4-BE49-F238E27FC236}">
+                <a16:creationId xmlns:a16="http://schemas.microsoft.com/office/drawing/2014/main" id="{B3C9298D-4016-41EF-9A86-4D0226E45428}"/>
+              </a:ext>
+            </a:extLst>
+          </p:cNvPr>
+          <p:cNvPicPr>
+            <a:picLocks noGrp="1" noChangeAspect="1"/>
+          </p:cNvPicPr>
+          <p:nvPr>
+            <p:ph idx="1"/>
+          </p:nvPr>
+        </p:nvPicPr>
+        <p:blipFill rotWithShape="1">
+          <a:blip r:embed="rId2"/>
+          <a:srcRect r="46405"/>
+          <a:stretch/>
+        </p:blipFill>
+        <p:spPr>
+          <a:xfrm>
+            <a:off x="-1" y="-1"/>
+            <a:ext cx="8682361" cy="6864793"/>
+          </a:xfrm>
+        </p:spPr>
+      </p:pic>
+    </p:spTree>
+    <p:extLst>
+      <p:ext uri="{BB962C8B-B14F-4D97-AF65-F5344CB8AC3E}">
+        <p14:creationId xmlns:p14="http://schemas.microsoft.com/office/powerpoint/2010/main" val="4240903622"/>
       </p:ext>
     </p:extLst>
   </p:cSld>

--- a/DD/DD presentation.pptx
+++ b/DD/DD presentation.pptx
@@ -5903,7 +5903,7 @@
         </p:blipFill>
         <p:spPr>
           <a:xfrm>
-            <a:off x="2423604" y="961298"/>
+            <a:off x="2423604" y="609600"/>
             <a:ext cx="6152225" cy="5896702"/>
           </a:xfrm>
         </p:spPr>
@@ -6333,8 +6333,8 @@
         </p:blipFill>
         <p:spPr>
           <a:xfrm>
-            <a:off x="518216" y="914400"/>
-            <a:ext cx="8131311" cy="5850384"/>
+            <a:off x="433550" y="1032932"/>
+            <a:ext cx="8131311" cy="5300051"/>
           </a:xfrm>
           <a:prstGeom prst="rect">
             <a:avLst/>
@@ -6439,8 +6439,8 @@
         </p:blipFill>
         <p:spPr>
           <a:xfrm>
-            <a:off x="1402035" y="0"/>
-            <a:ext cx="7278823" cy="6841667"/>
+            <a:off x="1549400" y="389467"/>
+            <a:ext cx="6919791" cy="5774867"/>
           </a:xfrm>
         </p:spPr>
       </p:pic>
